--- a/01_OperSlide/R.Strauss/Ariadne on Naxos.pptx
+++ b/01_OperSlide/R.Strauss/Ariadne on Naxos.pptx
@@ -5,10 +5,12 @@
     <p:sldMasterId id="2147483660" r:id="rId1"/>
   </p:sldMasterIdLst>
   <p:notesMasterIdLst>
-    <p:notesMasterId r:id="rId3"/>
+    <p:notesMasterId r:id="rId5"/>
   </p:notesMasterIdLst>
   <p:sldIdLst>
-    <p:sldId id="498" r:id="rId2"/>
+    <p:sldId id="499" r:id="rId2"/>
+    <p:sldId id="500" r:id="rId3"/>
+    <p:sldId id="498" r:id="rId4"/>
   </p:sldIdLst>
   <p:sldSz cx="9906000" cy="6858000" type="A4"/>
   <p:notesSz cx="6797675" cy="9926638"/>
@@ -112,6 +114,8 @@
       <p14:sectionLst xmlns:p14="http://schemas.microsoft.com/office/powerpoint/2010/main">
         <p14:section name="DO Berlin" id="{DF39317A-B6D4-481A-B003-0D3F30EF3558}">
           <p14:sldIdLst>
+            <p14:sldId id="499"/>
+            <p14:sldId id="500"/>
             <p14:sldId id="498"/>
           </p14:sldIdLst>
         </p14:section>
@@ -217,7 +221,7 @@
           <a:p>
             <a:fld id="{1E980196-448A-481A-8A1B-A58FF56D8844}" type="datetimeFigureOut">
               <a:rPr lang="en-US" smtClean="0"/>
-              <a:t>1/29/25</a:t>
+              <a:t>11/16/25</a:t>
             </a:fld>
             <a:endParaRPr lang="en-US"/>
           </a:p>
@@ -616,7 +620,7 @@
           <a:p>
             <a:fld id="{F63CEDD3-0525-4453-AC94-ABA547278219}" type="datetimeFigureOut">
               <a:rPr lang="en-US" smtClean="0"/>
-              <a:t>1/29/25</a:t>
+              <a:t>11/16/25</a:t>
             </a:fld>
             <a:endParaRPr lang="en-US"/>
           </a:p>
@@ -786,7 +790,7 @@
           <a:p>
             <a:fld id="{F63CEDD3-0525-4453-AC94-ABA547278219}" type="datetimeFigureOut">
               <a:rPr lang="en-US" smtClean="0"/>
-              <a:t>1/29/25</a:t>
+              <a:t>11/16/25</a:t>
             </a:fld>
             <a:endParaRPr lang="en-US"/>
           </a:p>
@@ -966,7 +970,7 @@
           <a:p>
             <a:fld id="{F63CEDD3-0525-4453-AC94-ABA547278219}" type="datetimeFigureOut">
               <a:rPr lang="en-US" smtClean="0"/>
-              <a:t>1/29/25</a:t>
+              <a:t>11/16/25</a:t>
             </a:fld>
             <a:endParaRPr lang="en-US"/>
           </a:p>
@@ -1136,7 +1140,7 @@
           <a:p>
             <a:fld id="{F63CEDD3-0525-4453-AC94-ABA547278219}" type="datetimeFigureOut">
               <a:rPr lang="en-US" smtClean="0"/>
-              <a:t>1/29/25</a:t>
+              <a:t>11/16/25</a:t>
             </a:fld>
             <a:endParaRPr lang="en-US"/>
           </a:p>
@@ -1380,7 +1384,7 @@
           <a:p>
             <a:fld id="{F63CEDD3-0525-4453-AC94-ABA547278219}" type="datetimeFigureOut">
               <a:rPr lang="en-US" smtClean="0"/>
-              <a:t>1/29/25</a:t>
+              <a:t>11/16/25</a:t>
             </a:fld>
             <a:endParaRPr lang="en-US"/>
           </a:p>
@@ -1612,7 +1616,7 @@
           <a:p>
             <a:fld id="{F63CEDD3-0525-4453-AC94-ABA547278219}" type="datetimeFigureOut">
               <a:rPr lang="en-US" smtClean="0"/>
-              <a:t>1/29/25</a:t>
+              <a:t>11/16/25</a:t>
             </a:fld>
             <a:endParaRPr lang="en-US"/>
           </a:p>
@@ -1979,7 +1983,7 @@
           <a:p>
             <a:fld id="{F63CEDD3-0525-4453-AC94-ABA547278219}" type="datetimeFigureOut">
               <a:rPr lang="en-US" smtClean="0"/>
-              <a:t>1/29/25</a:t>
+              <a:t>11/16/25</a:t>
             </a:fld>
             <a:endParaRPr lang="en-US"/>
           </a:p>
@@ -2097,7 +2101,7 @@
           <a:p>
             <a:fld id="{F63CEDD3-0525-4453-AC94-ABA547278219}" type="datetimeFigureOut">
               <a:rPr lang="en-US" smtClean="0"/>
-              <a:t>1/29/25</a:t>
+              <a:t>11/16/25</a:t>
             </a:fld>
             <a:endParaRPr lang="en-US"/>
           </a:p>
@@ -2192,7 +2196,7 @@
           <a:p>
             <a:fld id="{F63CEDD3-0525-4453-AC94-ABA547278219}" type="datetimeFigureOut">
               <a:rPr lang="en-US" smtClean="0"/>
-              <a:t>1/29/25</a:t>
+              <a:t>11/16/25</a:t>
             </a:fld>
             <a:endParaRPr lang="en-US"/>
           </a:p>
@@ -2469,7 +2473,7 @@
           <a:p>
             <a:fld id="{F63CEDD3-0525-4453-AC94-ABA547278219}" type="datetimeFigureOut">
               <a:rPr lang="en-US" smtClean="0"/>
-              <a:t>1/29/25</a:t>
+              <a:t>11/16/25</a:t>
             </a:fld>
             <a:endParaRPr lang="en-US"/>
           </a:p>
@@ -2726,7 +2730,7 @@
           <a:p>
             <a:fld id="{F63CEDD3-0525-4453-AC94-ABA547278219}" type="datetimeFigureOut">
               <a:rPr lang="en-US" smtClean="0"/>
-              <a:t>1/29/25</a:t>
+              <a:t>11/16/25</a:t>
             </a:fld>
             <a:endParaRPr lang="en-US"/>
           </a:p>
@@ -2939,7 +2943,7 @@
           <a:p>
             <a:fld id="{F63CEDD3-0525-4453-AC94-ABA547278219}" type="datetimeFigureOut">
               <a:rPr lang="en-US" smtClean="0"/>
-              <a:t>1/29/25</a:t>
+              <a:t>11/16/25</a:t>
             </a:fld>
             <a:endParaRPr lang="en-US"/>
           </a:p>
@@ -3328,6 +3332,1297 @@
 </file>
 
 <file path=ppt/slides/slide1.xml><?xml version="1.0" encoding="utf-8"?>
+<p:sld xmlns:a="http://schemas.openxmlformats.org/drawingml/2006/main" xmlns:r="http://schemas.openxmlformats.org/officeDocument/2006/relationships" xmlns:p="http://schemas.openxmlformats.org/presentationml/2006/main">
+  <p:cSld>
+    <p:spTree>
+      <p:nvGrpSpPr>
+        <p:cNvPr id="1" name=""/>
+        <p:cNvGrpSpPr/>
+        <p:nvPr/>
+      </p:nvGrpSpPr>
+      <p:grpSpPr>
+        <a:xfrm>
+          <a:off x="0" y="0"/>
+          <a:ext cx="0" cy="0"/>
+          <a:chOff x="0" y="0"/>
+          <a:chExt cx="0" cy="0"/>
+        </a:xfrm>
+      </p:grpSpPr>
+      <p:sp>
+        <p:nvSpPr>
+          <p:cNvPr id="4" name="TextBox 3">
+            <a:extLst>
+              <a:ext uri="{FF2B5EF4-FFF2-40B4-BE49-F238E27FC236}">
+                <a16:creationId xmlns:a16="http://schemas.microsoft.com/office/drawing/2014/main" id="{5409E3A1-F10C-E772-4697-5B4CE3D34559}"/>
+              </a:ext>
+            </a:extLst>
+          </p:cNvPr>
+          <p:cNvSpPr txBox="1"/>
+          <p:nvPr/>
+        </p:nvSpPr>
+        <p:spPr>
+          <a:xfrm>
+            <a:off x="4953000" y="12680"/>
+            <a:ext cx="4648200" cy="3293209"/>
+          </a:xfrm>
+          <a:prstGeom prst="rect">
+            <a:avLst/>
+          </a:prstGeom>
+          <a:noFill/>
+        </p:spPr>
+        <p:txBody>
+          <a:bodyPr wrap="square">
+            <a:spAutoFit/>
+          </a:bodyPr>
+          <a:lstStyle/>
+          <a:p>
+            <a:r>
+              <a:rPr lang="zh-CN" altLang="en-US" sz="800" dirty="0"/>
+              <a:t>我们并未改变霍夫曼斯塔尔的主线，也没有把作品切成“为阿丽亚德涅故事做准备的部分”和“讲她的正歌”。前奏中的人物，之后也不会“变身”为别的人物</a:t>
+            </a:r>
+            <a:r>
+              <a:rPr lang="en-US" altLang="zh-CN" sz="800" dirty="0"/>
+              <a:t>——</a:t>
+            </a:r>
+            <a:r>
+              <a:rPr lang="zh-CN" altLang="en-US" sz="800" dirty="0"/>
+              <a:t>他们始终是“同一批人”，只是在不断发展之中。我们努力摆脱前奏里那些漫画式的角色</a:t>
+            </a:r>
+            <a:r>
+              <a:rPr lang="en-US" altLang="zh-CN" sz="800" dirty="0"/>
+              <a:t>——</a:t>
+            </a:r>
+            <a:r>
+              <a:rPr lang="zh-CN" altLang="en-US" sz="800" dirty="0"/>
+              <a:t>携着舞台随从登场的各路花腔女高音和男高音。放到今天，这种处理只会像一部愚蠢的情景喜剧。</a:t>
+            </a:r>
+          </a:p>
+          <a:p>
+            <a:pPr>
+              <a:buNone/>
+            </a:pPr>
+            <a:endParaRPr lang="en-US" altLang="zh-CN" sz="800" b="1" dirty="0"/>
+          </a:p>
+          <a:p>
+            <a:pPr>
+              <a:buNone/>
+            </a:pPr>
+            <a:r>
+              <a:rPr lang="zh-CN" altLang="en-US" sz="800" b="1" dirty="0"/>
+              <a:t>这是你在汉堡的第三部施特劳斯作品。与</a:t>
+            </a:r>
+            <a:r>
+              <a:rPr lang="en-US" altLang="zh-CN" sz="800" b="1" dirty="0"/>
+              <a:t>《</a:t>
+            </a:r>
+            <a:r>
+              <a:rPr lang="zh-CN" altLang="en-US" sz="800" b="1" dirty="0"/>
+              <a:t>埃莱克特拉</a:t>
+            </a:r>
+            <a:r>
+              <a:rPr lang="en-US" altLang="zh-CN" sz="800" b="1" dirty="0"/>
+              <a:t>》《</a:t>
+            </a:r>
+            <a:r>
+              <a:rPr lang="zh-CN" altLang="en-US" sz="800" b="1" dirty="0"/>
+              <a:t>莎乐美</a:t>
+            </a:r>
+            <a:r>
+              <a:rPr lang="en-US" altLang="zh-CN" sz="800" b="1" dirty="0"/>
+              <a:t>》</a:t>
+            </a:r>
+            <a:r>
+              <a:rPr lang="zh-CN" altLang="en-US" sz="800" b="1" dirty="0"/>
+              <a:t>相比，你怎么看</a:t>
+            </a:r>
+            <a:r>
+              <a:rPr lang="en-US" altLang="zh-CN" sz="800" b="1" dirty="0"/>
+              <a:t>《</a:t>
+            </a:r>
+            <a:r>
+              <a:rPr lang="zh-CN" altLang="en-US" sz="800" b="1" dirty="0"/>
+              <a:t>阿丽亚德涅</a:t>
+            </a:r>
+            <a:r>
+              <a:rPr lang="en-US" altLang="zh-CN" sz="800" b="1" dirty="0"/>
+              <a:t>》</a:t>
+            </a:r>
+            <a:r>
+              <a:rPr lang="zh-CN" altLang="en-US" sz="800" b="1" dirty="0"/>
+              <a:t>？</a:t>
+            </a:r>
+            <a:endParaRPr lang="zh-CN" altLang="en-US" sz="800" dirty="0"/>
+          </a:p>
+          <a:p>
+            <a:pPr>
+              <a:buNone/>
+            </a:pPr>
+            <a:r>
+              <a:rPr lang="zh-CN" altLang="en-US" sz="800" dirty="0"/>
+              <a:t>因为我把这三部歌剧连续、并在同一舞台上制作，自然会在它们之间发现一些重要的交叉和共通的故事线。当然，</a:t>
+            </a:r>
+            <a:r>
+              <a:rPr lang="en-US" altLang="zh-CN" sz="800" dirty="0"/>
+              <a:t>《</a:t>
+            </a:r>
+            <a:r>
+              <a:rPr lang="zh-CN" altLang="en-US" sz="800" dirty="0"/>
+              <a:t>阿丽亚德涅</a:t>
+            </a:r>
+            <a:r>
+              <a:rPr lang="en-US" altLang="zh-CN" sz="800" dirty="0"/>
+              <a:t>》</a:t>
+            </a:r>
+            <a:r>
+              <a:rPr lang="zh-CN" altLang="en-US" sz="800" dirty="0"/>
+              <a:t>在音乐与美学上走向不同于</a:t>
+            </a:r>
+            <a:r>
+              <a:rPr lang="en-US" altLang="zh-CN" sz="800" dirty="0"/>
+              <a:t>《</a:t>
+            </a:r>
+            <a:r>
+              <a:rPr lang="zh-CN" altLang="en-US" sz="800" dirty="0"/>
+              <a:t>莎乐美</a:t>
+            </a:r>
+            <a:r>
+              <a:rPr lang="en-US" altLang="zh-CN" sz="800" dirty="0"/>
+              <a:t>》《</a:t>
+            </a:r>
+            <a:r>
+              <a:rPr lang="zh-CN" altLang="en-US" sz="800" dirty="0"/>
+              <a:t>埃莱克特拉</a:t>
+            </a:r>
+            <a:r>
+              <a:rPr lang="en-US" altLang="zh-CN" sz="800" dirty="0"/>
+              <a:t>》</a:t>
+            </a:r>
+            <a:r>
+              <a:rPr lang="zh-CN" altLang="en-US" sz="800" dirty="0"/>
+              <a:t>的方向；但三者都聚焦于“私人领域里的家庭肖像”。此外，</a:t>
+            </a:r>
+            <a:r>
+              <a:rPr lang="en-US" altLang="zh-CN" sz="800" dirty="0"/>
+              <a:t>《</a:t>
+            </a:r>
+            <a:r>
+              <a:rPr lang="zh-CN" altLang="en-US" sz="800" dirty="0"/>
+              <a:t>埃莱克特拉</a:t>
+            </a:r>
+            <a:r>
+              <a:rPr lang="en-US" altLang="zh-CN" sz="800" dirty="0"/>
+              <a:t>》</a:t>
+            </a:r>
+            <a:r>
+              <a:rPr lang="zh-CN" altLang="en-US" sz="800" dirty="0"/>
+              <a:t>和</a:t>
+            </a:r>
+            <a:r>
+              <a:rPr lang="en-US" altLang="zh-CN" sz="800" dirty="0"/>
+              <a:t>《</a:t>
+            </a:r>
+            <a:r>
+              <a:rPr lang="zh-CN" altLang="en-US" sz="800" dirty="0"/>
+              <a:t>莎乐美</a:t>
+            </a:r>
+            <a:r>
+              <a:rPr lang="en-US" altLang="zh-CN" sz="800" dirty="0"/>
+              <a:t>》</a:t>
+            </a:r>
+            <a:r>
+              <a:rPr lang="zh-CN" altLang="en-US" sz="800" dirty="0"/>
+              <a:t>都呈现了“母</a:t>
+            </a:r>
+            <a:r>
+              <a:rPr lang="en-US" altLang="zh-CN" sz="800" dirty="0"/>
+              <a:t>—</a:t>
+            </a:r>
+            <a:r>
+              <a:rPr lang="zh-CN" altLang="en-US" sz="800" dirty="0"/>
+              <a:t>女</a:t>
+            </a:r>
+            <a:r>
+              <a:rPr lang="en-US" altLang="zh-CN" sz="800" dirty="0"/>
+              <a:t>—</a:t>
+            </a:r>
+            <a:r>
+              <a:rPr lang="zh-CN" altLang="en-US" sz="800" dirty="0"/>
+              <a:t>继父”三角关系的家族心理。</a:t>
+            </a:r>
+            <a:r>
+              <a:rPr lang="en-US" altLang="zh-CN" sz="800" dirty="0"/>
+              <a:t>《</a:t>
+            </a:r>
+            <a:r>
+              <a:rPr lang="zh-CN" altLang="en-US" sz="800" dirty="0"/>
+              <a:t>阿丽亚德涅</a:t>
+            </a:r>
+            <a:r>
+              <a:rPr lang="en-US" altLang="zh-CN" sz="800" dirty="0"/>
+              <a:t>》</a:t>
+            </a:r>
+            <a:r>
+              <a:rPr lang="zh-CN" altLang="en-US" sz="800" dirty="0"/>
+              <a:t>的戏剧则更接近契诃夫与英格玛</a:t>
+            </a:r>
+            <a:r>
+              <a:rPr lang="en-US" altLang="zh-CN" sz="800" dirty="0"/>
+              <a:t>·</a:t>
+            </a:r>
+            <a:r>
+              <a:rPr lang="zh-CN" altLang="en-US" sz="800" dirty="0"/>
+              <a:t>伯格曼。为此，这个制作需要在某个时点实现某种“概括化”</a:t>
+            </a:r>
+            <a:r>
+              <a:rPr lang="en-US" altLang="zh-CN" sz="800" dirty="0"/>
+              <a:t>——</a:t>
+            </a:r>
+            <a:r>
+              <a:rPr lang="zh-CN" altLang="en-US" sz="800" dirty="0"/>
+              <a:t>超脱原有情节，对人物施以某种“悬浮”，以便说出更重要的东西。</a:t>
+            </a:r>
+          </a:p>
+          <a:p>
+            <a:pPr>
+              <a:buNone/>
+            </a:pPr>
+            <a:endParaRPr lang="zh-CN" altLang="en-US" sz="800" dirty="0"/>
+          </a:p>
+          <a:p>
+            <a:pPr>
+              <a:buNone/>
+            </a:pPr>
+            <a:r>
+              <a:rPr lang="zh-CN" altLang="en-US" sz="800" b="1" dirty="0"/>
+              <a:t>在这次</a:t>
+            </a:r>
+            <a:r>
+              <a:rPr lang="en-US" altLang="zh-CN" sz="800" b="1" dirty="0"/>
+              <a:t>《</a:t>
+            </a:r>
+            <a:r>
+              <a:rPr lang="zh-CN" altLang="en-US" sz="800" b="1" dirty="0"/>
+              <a:t>阿丽亚德涅</a:t>
+            </a:r>
+            <a:r>
+              <a:rPr lang="en-US" altLang="zh-CN" sz="800" b="1" dirty="0"/>
+              <a:t>》</a:t>
+            </a:r>
+            <a:r>
+              <a:rPr lang="zh-CN" altLang="en-US" sz="800" b="1" dirty="0"/>
+              <a:t>中，这种“家族”如何具体呈现？</a:t>
+            </a:r>
+            <a:endParaRPr lang="zh-CN" altLang="en-US" sz="800" dirty="0"/>
+          </a:p>
+          <a:p>
+            <a:pPr>
+              <a:buNone/>
+            </a:pPr>
+            <a:r>
+              <a:rPr lang="zh-CN" altLang="en-US" sz="800" dirty="0"/>
+              <a:t>这次同样关于“一个家庭”，但与前两部完全不同。这个家庭很庞大，内部关系有着复杂的等级体系。观众会逐渐了解这些家庭关系；许多人物彼此关联，是通过出人意料的新组合联系在一起的。</a:t>
+            </a:r>
+          </a:p>
+          <a:p>
+            <a:pPr>
+              <a:buNone/>
+            </a:pPr>
+            <a:endParaRPr lang="zh-CN" altLang="en-US" sz="800" dirty="0"/>
+          </a:p>
+          <a:p>
+            <a:pPr>
+              <a:buNone/>
+            </a:pPr>
+            <a:r>
+              <a:rPr lang="zh-CN" altLang="en-US" sz="800" b="1" dirty="0"/>
+              <a:t>作品把“喜剧伶人剧（</a:t>
+            </a:r>
+            <a:r>
+              <a:rPr lang="en-GB" sz="800" b="1" dirty="0"/>
+              <a:t>commedia dell’arte）、</a:t>
+            </a:r>
+            <a:r>
+              <a:rPr lang="zh-CN" altLang="en-US" sz="800" b="1" dirty="0"/>
+              <a:t>正歌剧（</a:t>
+            </a:r>
+            <a:r>
+              <a:rPr lang="en-GB" sz="800" b="1" dirty="0"/>
+              <a:t>opera seria）、</a:t>
+            </a:r>
+            <a:r>
+              <a:rPr lang="zh-CN" altLang="en-US" sz="800" b="1" dirty="0"/>
+              <a:t>喜歌剧（</a:t>
+            </a:r>
+            <a:r>
+              <a:rPr lang="en-GB" sz="800" b="1" dirty="0"/>
+              <a:t>opera buffa）”</a:t>
+            </a:r>
+            <a:r>
+              <a:rPr lang="zh-CN" altLang="en-US" sz="800" b="1" dirty="0"/>
+              <a:t>等不同传统的人物与体裁杂糅在一起。你如何处理这种“高</a:t>
+            </a:r>
+            <a:r>
+              <a:rPr lang="en-US" altLang="zh-CN" sz="800" b="1" dirty="0"/>
+              <a:t>/</a:t>
+            </a:r>
+            <a:r>
+              <a:rPr lang="zh-CN" altLang="en-US" sz="800" b="1" dirty="0"/>
+              <a:t>低”的对置？</a:t>
+            </a:r>
+            <a:endParaRPr lang="zh-CN" altLang="en-US" sz="800" dirty="0"/>
+          </a:p>
+          <a:p>
+            <a:pPr>
+              <a:buNone/>
+            </a:pPr>
+            <a:r>
+              <a:rPr lang="zh-CN" altLang="en-US" sz="800" dirty="0"/>
+              <a:t>在我们的版本里，没有“假面舞会”，也没有“高雅</a:t>
+            </a:r>
+            <a:r>
+              <a:rPr lang="en-US" altLang="zh-CN" sz="800" dirty="0"/>
+              <a:t>/</a:t>
+            </a:r>
+            <a:r>
+              <a:rPr lang="zh-CN" altLang="en-US" sz="800" dirty="0"/>
+              <a:t>低俗体裁”的划分。我们要做的是，把一场关于“艺术”的谈话，变成一场关于“活生生的人”的谈话。今天再谈“高”与“低”的对立，有点可笑和过时；如今各种组合早已被普遍接受</a:t>
+            </a:r>
+            <a:r>
+              <a:rPr lang="en-US" altLang="zh-CN" sz="800" dirty="0"/>
+              <a:t>——</a:t>
+            </a:r>
+            <a:r>
+              <a:rPr lang="zh-CN" altLang="en-US" sz="800" dirty="0"/>
+              <a:t>这已不再是问题。</a:t>
+            </a:r>
+          </a:p>
+          <a:p>
+            <a:pPr>
+              <a:buNone/>
+            </a:pPr>
+            <a:endParaRPr lang="zh-CN" altLang="en-US" sz="800" dirty="0"/>
+          </a:p>
+          <a:p>
+            <a:pPr>
+              <a:buNone/>
+            </a:pPr>
+            <a:r>
+              <a:rPr lang="zh-CN" altLang="en-US" sz="800" dirty="0"/>
+              <a:t>提问者：安格拉</a:t>
+            </a:r>
+            <a:r>
+              <a:rPr lang="en-US" altLang="zh-CN" sz="800" dirty="0"/>
+              <a:t>·</a:t>
+            </a:r>
+            <a:r>
+              <a:rPr lang="zh-CN" altLang="en-US" sz="800" dirty="0"/>
+              <a:t>博伊尔勒、米夏埃尔</a:t>
+            </a:r>
+            <a:r>
+              <a:rPr lang="en-US" altLang="zh-CN" sz="800" dirty="0"/>
+              <a:t>·</a:t>
+            </a:r>
+            <a:r>
+              <a:rPr lang="zh-CN" altLang="en-US" sz="800" dirty="0"/>
+              <a:t>桑库尔。</a:t>
+            </a:r>
+            <a:endParaRPr lang="en-US" altLang="zh-CN" sz="800" dirty="0"/>
+          </a:p>
+          <a:p>
+            <a:pPr>
+              <a:buNone/>
+            </a:pPr>
+            <a:endParaRPr lang="en-US" altLang="zh-CN" sz="800" dirty="0"/>
+          </a:p>
+          <a:p>
+            <a:pPr>
+              <a:buNone/>
+            </a:pPr>
+            <a:endParaRPr lang="zh-CN" altLang="en-US" sz="800" dirty="0"/>
+          </a:p>
+        </p:txBody>
+      </p:sp>
+      <p:sp>
+        <p:nvSpPr>
+          <p:cNvPr id="7" name="TextBox 6">
+            <a:extLst>
+              <a:ext uri="{FF2B5EF4-FFF2-40B4-BE49-F238E27FC236}">
+                <a16:creationId xmlns:a16="http://schemas.microsoft.com/office/drawing/2014/main" id="{4183DB4E-E74E-03EA-4D34-D60685DC21F3}"/>
+              </a:ext>
+            </a:extLst>
+          </p:cNvPr>
+          <p:cNvSpPr txBox="1"/>
+          <p:nvPr/>
+        </p:nvSpPr>
+        <p:spPr>
+          <a:xfrm>
+            <a:off x="211014" y="-5417"/>
+            <a:ext cx="4771291" cy="6617196"/>
+          </a:xfrm>
+          <a:prstGeom prst="rect">
+            <a:avLst/>
+          </a:prstGeom>
+          <a:noFill/>
+        </p:spPr>
+        <p:txBody>
+          <a:bodyPr wrap="square">
+            <a:spAutoFit/>
+          </a:bodyPr>
+          <a:lstStyle/>
+          <a:p>
+            <a:pPr>
+              <a:buNone/>
+            </a:pPr>
+            <a:r>
+              <a:rPr lang="zh-CN" altLang="en-US" sz="800" b="1" dirty="0"/>
+              <a:t>艺术与现实</a:t>
+            </a:r>
+            <a:endParaRPr lang="zh-CN" altLang="en-US" sz="800" dirty="0"/>
+          </a:p>
+          <a:p>
+            <a:pPr>
+              <a:buNone/>
+            </a:pPr>
+            <a:r>
+              <a:rPr lang="zh-CN" altLang="en-US" sz="800" dirty="0"/>
+              <a:t>德米特里</a:t>
+            </a:r>
+            <a:r>
+              <a:rPr lang="en-US" altLang="zh-CN" sz="800" dirty="0"/>
+              <a:t>·</a:t>
+            </a:r>
+            <a:r>
+              <a:rPr lang="zh-CN" altLang="en-US" sz="800" dirty="0"/>
+              <a:t>切尔尼亚科夫谈</a:t>
+            </a:r>
+            <a:r>
+              <a:rPr lang="en-US" altLang="zh-CN" sz="800" dirty="0"/>
+              <a:t>《</a:t>
+            </a:r>
+            <a:r>
+              <a:rPr lang="zh-CN" altLang="en-US" sz="800" dirty="0"/>
+              <a:t>纳克索斯岛的阿丽亚德涅</a:t>
+            </a:r>
+            <a:r>
+              <a:rPr lang="en-US" altLang="zh-CN" sz="800" dirty="0"/>
+              <a:t>》</a:t>
+            </a:r>
+            <a:r>
+              <a:rPr lang="zh-CN" altLang="en-US" sz="800" dirty="0"/>
+              <a:t>之导演构想</a:t>
+            </a:r>
+            <a:br>
+              <a:rPr lang="zh-CN" altLang="en-US" sz="800" dirty="0"/>
+            </a:br>
+            <a:endParaRPr lang="zh-CN" altLang="en-US" sz="800" dirty="0"/>
+          </a:p>
+          <a:p>
+            <a:pPr>
+              <a:buNone/>
+            </a:pPr>
+            <a:r>
+              <a:rPr lang="zh-CN" altLang="en-US" sz="800" b="1" dirty="0"/>
+              <a:t>我们在你的</a:t>
+            </a:r>
+            <a:r>
+              <a:rPr lang="en-US" altLang="zh-CN" sz="800" b="1" dirty="0"/>
+              <a:t>《</a:t>
+            </a:r>
+            <a:r>
+              <a:rPr lang="zh-CN" altLang="en-US" sz="800" b="1" dirty="0"/>
+              <a:t>阿丽亚德涅</a:t>
+            </a:r>
+            <a:r>
+              <a:rPr lang="en-US" altLang="zh-CN" sz="800" b="1" dirty="0"/>
+              <a:t>》</a:t>
+            </a:r>
+            <a:r>
+              <a:rPr lang="zh-CN" altLang="en-US" sz="800" b="1" dirty="0"/>
+              <a:t>叙事中“身处何处”？</a:t>
+            </a:r>
+            <a:endParaRPr lang="zh-CN" altLang="en-US" sz="800" dirty="0"/>
+          </a:p>
+          <a:p>
+            <a:pPr>
+              <a:buNone/>
+            </a:pPr>
+            <a:r>
+              <a:rPr lang="zh-CN" altLang="en-US" sz="800" dirty="0"/>
+              <a:t>我们身处一所房子，或一套巨大的公寓里</a:t>
+            </a:r>
+            <a:r>
+              <a:rPr lang="en-US" altLang="zh-CN" sz="800" dirty="0"/>
+              <a:t>——</a:t>
+            </a:r>
+            <a:r>
+              <a:rPr lang="zh-CN" altLang="en-US" sz="800" dirty="0"/>
+              <a:t>像蜂巢一样，被不同的人群所占据。观众只能看到部分房间；其余的房间、走廊和区域是破碎式地、并以不同距离呈现给观者的。</a:t>
+            </a:r>
+          </a:p>
+          <a:p>
+            <a:pPr>
+              <a:buNone/>
+            </a:pPr>
+            <a:r>
+              <a:rPr lang="zh-CN" altLang="en-US" sz="800" dirty="0"/>
+              <a:t>在我为汉堡国家歌剧院创作的</a:t>
+            </a:r>
+            <a:r>
+              <a:rPr lang="en-US" altLang="zh-CN" sz="800" dirty="0"/>
+              <a:t>《</a:t>
+            </a:r>
+            <a:r>
+              <a:rPr lang="zh-CN" altLang="en-US" sz="800" dirty="0"/>
+              <a:t>埃莱克特拉</a:t>
+            </a:r>
+            <a:r>
+              <a:rPr lang="en-US" altLang="zh-CN" sz="800" dirty="0"/>
+              <a:t>》</a:t>
+            </a:r>
+            <a:r>
+              <a:rPr lang="zh-CN" altLang="en-US" sz="800" dirty="0"/>
+              <a:t>和</a:t>
+            </a:r>
+            <a:r>
+              <a:rPr lang="en-US" altLang="zh-CN" sz="800" dirty="0"/>
+              <a:t>《</a:t>
+            </a:r>
+            <a:r>
+              <a:rPr lang="zh-CN" altLang="en-US" sz="800" dirty="0"/>
+              <a:t>莎乐美</a:t>
+            </a:r>
+            <a:r>
+              <a:rPr lang="en-US" altLang="zh-CN" sz="800" dirty="0"/>
+              <a:t>》</a:t>
+            </a:r>
+            <a:r>
+              <a:rPr lang="zh-CN" altLang="en-US" sz="800" dirty="0"/>
+              <a:t>中，舞台空间一直是“同一处空间”，但每次都被重新诠释，由完全不同的人居住，带着各自的偏好与各异的背景。当初为</a:t>
+            </a:r>
+            <a:r>
+              <a:rPr lang="en-US" altLang="zh-CN" sz="800" dirty="0"/>
+              <a:t>《</a:t>
+            </a:r>
+            <a:r>
+              <a:rPr lang="zh-CN" altLang="en-US" sz="800" dirty="0"/>
+              <a:t>埃莱克特拉</a:t>
+            </a:r>
+            <a:r>
+              <a:rPr lang="en-US" altLang="zh-CN" sz="800" dirty="0"/>
+              <a:t>》</a:t>
+            </a:r>
+            <a:r>
+              <a:rPr lang="zh-CN" altLang="en-US" sz="800" dirty="0"/>
+              <a:t>设计这座巨大的公寓时，我想的是维也纳那种老式公寓；现在这点已不那么重要了。重要的是：我们的故事完全扎根在当下。</a:t>
+            </a:r>
+            <a:br>
+              <a:rPr lang="zh-CN" altLang="en-US" sz="800" dirty="0"/>
+            </a:br>
+            <a:endParaRPr lang="zh-CN" altLang="en-US" sz="800" dirty="0"/>
+          </a:p>
+          <a:p>
+            <a:pPr>
+              <a:buNone/>
+            </a:pPr>
+            <a:r>
+              <a:rPr lang="zh-CN" altLang="en-US" sz="800" b="1" dirty="0"/>
+              <a:t>我们经历的是一群怎样的“社会”？是什么把他们联系在一起，又是什么在威胁他们？</a:t>
+            </a:r>
+            <a:endParaRPr lang="zh-CN" altLang="en-US" sz="800" dirty="0"/>
+          </a:p>
+          <a:p>
+            <a:pPr>
+              <a:buNone/>
+            </a:pPr>
+            <a:r>
+              <a:rPr lang="zh-CN" altLang="en-US" sz="800" dirty="0"/>
+              <a:t>这部歌剧中的所有人物属于同一个世界</a:t>
+            </a:r>
+            <a:r>
+              <a:rPr lang="en-US" altLang="zh-CN" sz="800" dirty="0"/>
+              <a:t>——</a:t>
+            </a:r>
+            <a:r>
+              <a:rPr lang="zh-CN" altLang="en-US" sz="800" dirty="0"/>
+              <a:t>一个正在崩解、很快将成为过去的世界。你能感到他们之间存在一种联系。他们都注定走向衰败：在把现实抛在身后之前的那一刻，他们已意识到这一点，于是从现实中退缩，绝望地回到那些熟悉而又令人着迷的“游戏”中去。这种脆弱性，和契诃夫</a:t>
+            </a:r>
+            <a:r>
+              <a:rPr lang="en-US" altLang="zh-CN" sz="800" dirty="0"/>
+              <a:t>《</a:t>
+            </a:r>
+            <a:r>
+              <a:rPr lang="zh-CN" altLang="en-US" sz="800" dirty="0"/>
+              <a:t>樱桃园</a:t>
+            </a:r>
+            <a:r>
+              <a:rPr lang="en-US" altLang="zh-CN" sz="800" dirty="0"/>
+              <a:t>》</a:t>
+            </a:r>
+            <a:r>
+              <a:rPr lang="zh-CN" altLang="en-US" sz="800" dirty="0"/>
+              <a:t>中的人物很相似。</a:t>
+            </a:r>
+          </a:p>
+          <a:p>
+            <a:pPr>
+              <a:buNone/>
+            </a:pPr>
+            <a:endParaRPr lang="zh-CN" altLang="en-US" sz="800" dirty="0"/>
+          </a:p>
+          <a:p>
+            <a:pPr>
+              <a:buNone/>
+            </a:pPr>
+            <a:r>
+              <a:rPr lang="zh-CN" altLang="en-US" sz="800" b="1" dirty="0"/>
+              <a:t>你如何看待“前奏与正歌”两部分之间的关系？</a:t>
+            </a:r>
+            <a:endParaRPr lang="zh-CN" altLang="en-US" sz="800" dirty="0"/>
+          </a:p>
+          <a:p>
+            <a:pPr>
+              <a:buNone/>
+            </a:pPr>
+            <a:r>
+              <a:rPr lang="zh-CN" altLang="en-US" sz="800" dirty="0"/>
+              <a:t>在我们的制作中，</a:t>
+            </a:r>
+            <a:r>
+              <a:rPr lang="en-US" altLang="zh-CN" sz="800" dirty="0"/>
+              <a:t>《</a:t>
+            </a:r>
+            <a:r>
+              <a:rPr lang="zh-CN" altLang="en-US" sz="800" dirty="0"/>
+              <a:t>纳克索斯岛的阿丽亚德涅</a:t>
+            </a:r>
+            <a:r>
+              <a:rPr lang="en-US" altLang="zh-CN" sz="800" dirty="0"/>
+              <a:t>》</a:t>
+            </a:r>
+            <a:r>
+              <a:rPr lang="zh-CN" altLang="en-US" sz="800" dirty="0"/>
+              <a:t>并不被分成“前奏”和“正歌”。对我们而言，它们是一个整体中同等重要的两部分。剧情从头至尾连成一个统一的文本，所有对话都照其原貌保留。只不过我们把重心从“审美层面”转移到“生存层面”，让所有人物都成为一个大家庭</a:t>
+            </a:r>
+            <a:r>
+              <a:rPr lang="en-US" altLang="zh-CN" sz="800" dirty="0"/>
+              <a:t>——</a:t>
+            </a:r>
+            <a:r>
+              <a:rPr lang="zh-CN" altLang="en-US" sz="800" dirty="0"/>
+              <a:t>一个“人的共同体”的成员。</a:t>
+            </a:r>
+          </a:p>
+          <a:p>
+            <a:pPr>
+              <a:buNone/>
+            </a:pPr>
+            <a:endParaRPr lang="zh-CN" altLang="en-US" sz="800" dirty="0"/>
+          </a:p>
+          <a:p>
+            <a:pPr>
+              <a:buNone/>
+            </a:pPr>
+            <a:r>
+              <a:rPr lang="zh-CN" altLang="en-US" sz="800" b="1" dirty="0"/>
+              <a:t>戏剧</a:t>
+            </a:r>
+            <a:r>
+              <a:rPr lang="en-US" altLang="zh-CN" sz="800" b="1" dirty="0"/>
+              <a:t>/</a:t>
+            </a:r>
+            <a:r>
+              <a:rPr lang="zh-CN" altLang="en-US" sz="800" b="1" dirty="0"/>
+              <a:t>歌剧在剧中意味着什么？在当下世界，你如何看戏剧的可能与边界？</a:t>
+            </a:r>
+            <a:endParaRPr lang="zh-CN" altLang="en-US" sz="800" dirty="0"/>
+          </a:p>
+          <a:p>
+            <a:pPr>
+              <a:buNone/>
+            </a:pPr>
+            <a:r>
+              <a:rPr lang="zh-CN" altLang="en-US" sz="800" dirty="0"/>
+              <a:t>对我来说，关键不在于音乐与戏剧、或不同体裁之间的对立，而在于“作品与现实”的相关性</a:t>
+            </a:r>
+            <a:r>
+              <a:rPr lang="en-US" altLang="zh-CN" sz="800" dirty="0"/>
+              <a:t>——</a:t>
+            </a:r>
+            <a:r>
+              <a:rPr lang="zh-CN" altLang="en-US" sz="800" dirty="0"/>
+              <a:t>在于作者意图与最终效果之间的关系。现实中突如其来的变动、人生境遇新出现的组合，都会改变原本计划好的内容，致使一场演出产生了作者最初并未预期的东西。还在于：戏剧究竟拥有怎样的作用力？在一个人的困境或悲剧处境中，戏剧性是否能提供帮助，协助他</a:t>
+            </a:r>
+            <a:r>
+              <a:rPr lang="en-US" altLang="zh-CN" sz="800" dirty="0"/>
+              <a:t>/</a:t>
+            </a:r>
+            <a:r>
+              <a:rPr lang="zh-CN" altLang="en-US" sz="800" dirty="0"/>
+              <a:t>她重新发现生活的滋味？这种与现实的接触</a:t>
+            </a:r>
+            <a:r>
+              <a:rPr lang="en-US" altLang="zh-CN" sz="800" dirty="0"/>
+              <a:t>——</a:t>
+            </a:r>
+            <a:r>
+              <a:rPr lang="zh-CN" altLang="en-US" sz="800" dirty="0"/>
+              <a:t>来自观众品味与生命经验的再次唤起</a:t>
+            </a:r>
+            <a:r>
+              <a:rPr lang="en-US" altLang="zh-CN" sz="800" dirty="0"/>
+              <a:t>——</a:t>
+            </a:r>
+            <a:r>
+              <a:rPr lang="zh-CN" altLang="en-US" sz="800" dirty="0"/>
+              <a:t>对我尤为重要。</a:t>
+            </a:r>
+            <a:br>
+              <a:rPr lang="zh-CN" altLang="en-US" sz="800" dirty="0"/>
+            </a:br>
+            <a:endParaRPr lang="zh-CN" altLang="en-US" sz="800" dirty="0"/>
+          </a:p>
+          <a:p>
+            <a:pPr>
+              <a:buNone/>
+            </a:pPr>
+            <a:r>
+              <a:rPr lang="zh-CN" altLang="en-US" sz="800" b="1" dirty="0"/>
+              <a:t>你的每次导演都敢直面“伤口”。这次在</a:t>
+            </a:r>
+            <a:r>
+              <a:rPr lang="en-US" altLang="zh-CN" sz="800" b="1" dirty="0"/>
+              <a:t>《</a:t>
+            </a:r>
+            <a:r>
+              <a:rPr lang="zh-CN" altLang="en-US" sz="800" b="1" dirty="0"/>
+              <a:t>阿丽亚德涅</a:t>
+            </a:r>
+            <a:r>
+              <a:rPr lang="en-US" altLang="zh-CN" sz="800" b="1" dirty="0"/>
+              <a:t>》</a:t>
+            </a:r>
+            <a:r>
+              <a:rPr lang="zh-CN" altLang="en-US" sz="800" b="1" dirty="0"/>
+              <a:t>中，你讲述的是哪一种痛感？</a:t>
+            </a:r>
+            <a:endParaRPr lang="zh-CN" altLang="en-US" sz="800" dirty="0"/>
+          </a:p>
+          <a:p>
+            <a:pPr>
+              <a:buNone/>
+            </a:pPr>
+            <a:r>
+              <a:rPr lang="zh-CN" altLang="en-US" sz="800" dirty="0"/>
+              <a:t>是失去与失望之痛；是骤然的孤独</a:t>
+            </a:r>
+            <a:r>
+              <a:rPr lang="en-US" altLang="zh-CN" sz="800" dirty="0"/>
+              <a:t>——</a:t>
+            </a:r>
+            <a:r>
+              <a:rPr lang="zh-CN" altLang="en-US" sz="800" dirty="0"/>
+              <a:t>仿佛人一下子置身冰冷荒漠的正中央。是对一个美好时代终结的痛感，一个濒临灭亡之世界的痛感。是对万物无常的感受，以及对“清晨逼近”的恐惧。</a:t>
+            </a:r>
+          </a:p>
+          <a:p>
+            <a:pPr>
+              <a:buNone/>
+            </a:pPr>
+            <a:endParaRPr lang="zh-CN" altLang="en-US" sz="800" dirty="0"/>
+          </a:p>
+          <a:p>
+            <a:pPr>
+              <a:buNone/>
+            </a:pPr>
+            <a:r>
+              <a:rPr lang="zh-CN" altLang="en-US" sz="800" b="1" dirty="0"/>
+              <a:t>阿丽亚德涅与策比奈塔（</a:t>
+            </a:r>
+            <a:r>
+              <a:rPr lang="en-GB" sz="800" b="1" dirty="0" err="1"/>
+              <a:t>Zerbinetta</a:t>
+            </a:r>
+            <a:r>
+              <a:rPr lang="en-GB" sz="800" b="1" dirty="0"/>
+              <a:t>）</a:t>
+            </a:r>
+            <a:r>
+              <a:rPr lang="zh-CN" altLang="en-US" sz="800" b="1" dirty="0"/>
+              <a:t>有何根本不同？</a:t>
+            </a:r>
+            <a:endParaRPr lang="zh-CN" altLang="en-US" sz="800" dirty="0"/>
+          </a:p>
+          <a:p>
+            <a:pPr>
+              <a:buNone/>
+            </a:pPr>
+            <a:r>
+              <a:rPr lang="zh-CN" altLang="en-US" sz="800" dirty="0"/>
+              <a:t>两人都害怕被抛弃、害怕孤独。但阿丽亚德涅执念于“唯一的那个男人”，而策比奈塔总是在寻找。策比奈塔绝不会选择自杀，因为她过于热爱生命；阿丽亚德涅却只爱忒修斯，这份爱对她而言甚至重要到超过生命本身。</a:t>
+            </a:r>
+          </a:p>
+          <a:p>
+            <a:pPr>
+              <a:buNone/>
+            </a:pPr>
+            <a:endParaRPr lang="zh-CN" altLang="en-US" sz="800" dirty="0"/>
+          </a:p>
+          <a:p>
+            <a:pPr>
+              <a:buNone/>
+            </a:pPr>
+            <a:r>
+              <a:rPr lang="zh-CN" altLang="en-US" sz="800" b="1" dirty="0"/>
+              <a:t>霍夫曼斯塔尔强调“变形</a:t>
+            </a:r>
+            <a:r>
+              <a:rPr lang="en-US" altLang="zh-CN" sz="800" b="1" dirty="0"/>
+              <a:t>/</a:t>
+            </a:r>
+            <a:r>
+              <a:rPr lang="zh-CN" altLang="en-US" sz="800" b="1" dirty="0"/>
+              <a:t>转变”这一主题</a:t>
+            </a:r>
+            <a:r>
+              <a:rPr lang="en-US" altLang="zh-CN" sz="800" b="1" dirty="0"/>
+              <a:t>——</a:t>
+            </a:r>
+            <a:r>
+              <a:rPr lang="zh-CN" altLang="en-US" sz="800" b="1" dirty="0"/>
+              <a:t>在你看来，它如今仍重要吗？</a:t>
+            </a:r>
+            <a:endParaRPr lang="zh-CN" altLang="en-US" sz="800" dirty="0"/>
+          </a:p>
+          <a:p>
+            <a:pPr>
+              <a:buNone/>
+            </a:pPr>
+            <a:r>
+              <a:rPr lang="zh-CN" altLang="en-US" sz="800" dirty="0"/>
+              <a:t>对今天来说，这仍然重要，就像对</a:t>
+            </a:r>
+            <a:r>
+              <a:rPr lang="en-US" altLang="zh-CN" sz="800" dirty="0"/>
+              <a:t>1910</a:t>
+            </a:r>
+            <a:r>
+              <a:rPr lang="zh-CN" altLang="en-US" sz="800" dirty="0"/>
+              <a:t>年代的霍夫曼斯塔尔文本一样。我们的女主角经历了一种“转变”：她摆脱了内在的阻滞，可以再次呼吸，学会放手，让忒修斯离开。她卸下悲伤的重负，再次感到生命的吸引力。这个转变发生在她与狄俄尼索斯相遇之后，但这并不是把她变成另一个人，或在各种情色“变形”之间切换；而更像是一种复原与自我通达的过程，逐步走向康复、自我澄明。</a:t>
+            </a:r>
+          </a:p>
+          <a:p>
+            <a:pPr>
+              <a:buNone/>
+            </a:pPr>
+            <a:endParaRPr lang="zh-CN" altLang="en-US" sz="800" dirty="0"/>
+          </a:p>
+          <a:p>
+            <a:pPr>
+              <a:buNone/>
+            </a:pPr>
+            <a:r>
+              <a:rPr lang="en-US" altLang="zh-CN" sz="800" b="1" dirty="0"/>
+              <a:t>1916</a:t>
+            </a:r>
+            <a:r>
+              <a:rPr lang="zh-CN" altLang="en-US" sz="800" b="1" dirty="0"/>
+              <a:t>年，作品在一战期间于维也纳首演。你在剧中看到战争的痕迹吗？</a:t>
+            </a:r>
+            <a:endParaRPr lang="zh-CN" altLang="en-US" sz="800" dirty="0"/>
+          </a:p>
+          <a:p>
+            <a:pPr>
+              <a:buNone/>
+            </a:pPr>
+            <a:r>
+              <a:rPr lang="en-US" altLang="zh-CN" sz="800" dirty="0"/>
+              <a:t>1912</a:t>
+            </a:r>
+            <a:r>
+              <a:rPr lang="zh-CN" altLang="en-US" sz="800" dirty="0"/>
+              <a:t>年的第一版写于战前，</a:t>
+            </a:r>
+            <a:r>
+              <a:rPr lang="en-US" altLang="zh-CN" sz="800" dirty="0"/>
+              <a:t>1916</a:t>
+            </a:r>
+            <a:r>
+              <a:rPr lang="zh-CN" altLang="en-US" sz="800" dirty="0"/>
+              <a:t>年的第二版诞生在战火之中。两版中“对战争痕迹的尖叫式缺席”本身就很重要。</a:t>
+            </a:r>
+            <a:r>
+              <a:rPr lang="en-US" altLang="zh-CN" sz="800" dirty="0"/>
+              <a:t>《</a:t>
+            </a:r>
+            <a:r>
+              <a:rPr lang="zh-CN" altLang="en-US" sz="800" dirty="0"/>
+              <a:t>阿丽亚德涅</a:t>
+            </a:r>
+            <a:r>
+              <a:rPr lang="en-US" altLang="zh-CN" sz="800" dirty="0"/>
+              <a:t>》</a:t>
+            </a:r>
+            <a:r>
+              <a:rPr lang="zh-CN" altLang="en-US" sz="800" dirty="0"/>
+              <a:t>给我的感觉像是“在深渊之上的一场游戏”。</a:t>
+            </a:r>
+          </a:p>
+          <a:p>
+            <a:pPr>
+              <a:buNone/>
+            </a:pPr>
+            <a:endParaRPr lang="zh-CN" altLang="en-US" sz="800" dirty="0"/>
+          </a:p>
+          <a:p>
+            <a:pPr>
+              <a:buNone/>
+            </a:pPr>
+            <a:r>
+              <a:rPr lang="zh-CN" altLang="en-US" sz="800" b="1" dirty="0"/>
+              <a:t>这部歌剧以“剧中之剧”为中心，关涉到戏剧制作的条件。这在你的版本里重要吗？</a:t>
+            </a:r>
+            <a:endParaRPr lang="zh-CN" altLang="en-US" sz="800" dirty="0"/>
+          </a:p>
+          <a:p>
+            <a:pPr>
+              <a:buNone/>
+            </a:pPr>
+            <a:r>
+              <a:rPr lang="zh-CN" altLang="en-US" sz="800" dirty="0"/>
+              <a:t>不，这点在我们的处理里并不占很大分量。我们把故事移入一场“家庭演出”</a:t>
+            </a:r>
+            <a:r>
+              <a:rPr lang="en-US" altLang="zh-CN" sz="800" dirty="0"/>
+              <a:t>——</a:t>
+            </a:r>
+            <a:r>
+              <a:rPr lang="zh-CN" altLang="en-US" sz="800" dirty="0"/>
+              <a:t>一个由非常熟悉众人的人（总管</a:t>
+            </a:r>
+            <a:r>
+              <a:rPr lang="en-US" altLang="zh-CN" sz="800" dirty="0"/>
+              <a:t>/</a:t>
+            </a:r>
+            <a:r>
+              <a:rPr lang="zh-CN" altLang="en-US" sz="800" dirty="0"/>
+              <a:t>家臣式角色）操持的业余剧场。在这出戏里，我们既不把这位维也纳来的先生当作“房屋管理员”，也不让他与阿丽亚德涅获得任何“信息”的优势；从一开始，他就是当晚一切的作者与“造物者”。他设想好这一切细节，并把它们逐一纳入演出。</a:t>
+            </a:r>
+          </a:p>
+        </p:txBody>
+      </p:sp>
+    </p:spTree>
+    <p:extLst>
+      <p:ext uri="{BB962C8B-B14F-4D97-AF65-F5344CB8AC3E}">
+        <p14:creationId xmlns:p14="http://schemas.microsoft.com/office/powerpoint/2010/main" val="1940044930"/>
+      </p:ext>
+    </p:extLst>
+  </p:cSld>
+  <p:clrMapOvr>
+    <a:masterClrMapping/>
+  </p:clrMapOvr>
+</p:sld>
+</file>
+
+<file path=ppt/slides/slide2.xml><?xml version="1.0" encoding="utf-8"?>
+<p:sld xmlns:a="http://schemas.openxmlformats.org/drawingml/2006/main" xmlns:r="http://schemas.openxmlformats.org/officeDocument/2006/relationships" xmlns:p="http://schemas.openxmlformats.org/presentationml/2006/main">
+  <p:cSld>
+    <p:spTree>
+      <p:nvGrpSpPr>
+        <p:cNvPr id="1" name="">
+          <a:extLst>
+            <a:ext uri="{FF2B5EF4-FFF2-40B4-BE49-F238E27FC236}">
+              <a16:creationId xmlns:a16="http://schemas.microsoft.com/office/drawing/2014/main" id="{2F419937-74B9-3DA8-3381-DF9A456E830B}"/>
+            </a:ext>
+          </a:extLst>
+        </p:cNvPr>
+        <p:cNvGrpSpPr/>
+        <p:nvPr/>
+      </p:nvGrpSpPr>
+      <p:grpSpPr>
+        <a:xfrm>
+          <a:off x="0" y="0"/>
+          <a:ext cx="0" cy="0"/>
+          <a:chOff x="0" y="0"/>
+          <a:chExt cx="0" cy="0"/>
+        </a:xfrm>
+      </p:grpSpPr>
+      <p:sp>
+        <p:nvSpPr>
+          <p:cNvPr id="4" name="TextBox 3">
+            <a:extLst>
+              <a:ext uri="{FF2B5EF4-FFF2-40B4-BE49-F238E27FC236}">
+                <a16:creationId xmlns:a16="http://schemas.microsoft.com/office/drawing/2014/main" id="{1C523520-3313-5FA6-EE68-47067717219A}"/>
+              </a:ext>
+            </a:extLst>
+          </p:cNvPr>
+          <p:cNvSpPr txBox="1"/>
+          <p:nvPr/>
+        </p:nvSpPr>
+        <p:spPr>
+          <a:xfrm>
+            <a:off x="4953000" y="12680"/>
+            <a:ext cx="4648200" cy="215444"/>
+          </a:xfrm>
+          <a:prstGeom prst="rect">
+            <a:avLst/>
+          </a:prstGeom>
+          <a:noFill/>
+        </p:spPr>
+        <p:txBody>
+          <a:bodyPr wrap="square">
+            <a:spAutoFit/>
+          </a:bodyPr>
+          <a:lstStyle/>
+          <a:p>
+            <a:r>
+              <a:rPr lang="en-US" altLang="zh-CN" sz="800" dirty="0"/>
+              <a:t>XXX</a:t>
+            </a:r>
+            <a:endParaRPr lang="zh-CN" altLang="en-US" sz="800" dirty="0"/>
+          </a:p>
+        </p:txBody>
+      </p:sp>
+      <p:sp>
+        <p:nvSpPr>
+          <p:cNvPr id="7" name="TextBox 6">
+            <a:extLst>
+              <a:ext uri="{FF2B5EF4-FFF2-40B4-BE49-F238E27FC236}">
+                <a16:creationId xmlns:a16="http://schemas.microsoft.com/office/drawing/2014/main" id="{A0861867-BC39-1076-A82A-F52A9B262DC4}"/>
+              </a:ext>
+            </a:extLst>
+          </p:cNvPr>
+          <p:cNvSpPr txBox="1"/>
+          <p:nvPr/>
+        </p:nvSpPr>
+        <p:spPr>
+          <a:xfrm>
+            <a:off x="211014" y="-5417"/>
+            <a:ext cx="4771291" cy="4524315"/>
+          </a:xfrm>
+          <a:prstGeom prst="rect">
+            <a:avLst/>
+          </a:prstGeom>
+          <a:noFill/>
+        </p:spPr>
+        <p:txBody>
+          <a:bodyPr wrap="square">
+            <a:spAutoFit/>
+          </a:bodyPr>
+          <a:lstStyle/>
+          <a:p>
+            <a:r>
+              <a:rPr lang="en-US" altLang="zh-CN" sz="800" b="1" dirty="0"/>
+              <a:t>《</a:t>
+            </a:r>
+            <a:r>
+              <a:rPr lang="zh-CN" altLang="en-US" sz="800" b="1" dirty="0"/>
+              <a:t>纳克索斯岛的阿丽亚德涅</a:t>
+            </a:r>
+            <a:r>
+              <a:rPr lang="en-US" altLang="zh-CN" sz="800" b="1" dirty="0"/>
+              <a:t>》</a:t>
+            </a:r>
+            <a:r>
+              <a:rPr lang="zh-CN" altLang="en-US" sz="800" b="1" dirty="0"/>
+              <a:t>制作概念</a:t>
+            </a:r>
+          </a:p>
+          <a:p>
+            <a:r>
+              <a:rPr lang="zh-CN" altLang="en-US" sz="800" dirty="0"/>
+              <a:t>在本次制作中，</a:t>
+            </a:r>
+            <a:r>
+              <a:rPr lang="en-US" altLang="zh-CN" sz="800" dirty="0"/>
+              <a:t>《</a:t>
+            </a:r>
+            <a:r>
+              <a:rPr lang="zh-CN" altLang="en-US" sz="800" dirty="0"/>
+              <a:t>纳克索斯岛的阿丽亚德涅</a:t>
+            </a:r>
+            <a:r>
+              <a:rPr lang="en-US" altLang="zh-CN" sz="800" dirty="0"/>
+              <a:t>》</a:t>
+            </a:r>
+            <a:r>
+              <a:rPr lang="zh-CN" altLang="en-US" sz="800" dirty="0"/>
+              <a:t>被重新置入一个现实而陌生的当代空间：一栋巨大的住宅，既像维也纳式的老公寓，又像一个象征性蜂巢</a:t>
+            </a:r>
+            <a:r>
+              <a:rPr lang="en-US" altLang="zh-CN" sz="800" dirty="0"/>
+              <a:t>——</a:t>
+            </a:r>
+            <a:r>
+              <a:rPr lang="zh-CN" altLang="en-US" sz="800" dirty="0"/>
+              <a:t>封闭、庞杂、充满声音与回响。这个空间中生活着许多人物，他们彼此熟悉又彼此隔绝。每个房间、走廊和角落都像一个孤立的精神格层，暗示人类关系的断裂与当下世界的失序。观众所看到的只是其中的一部分，其余的生活被墙壁、门和时间所遮蔽。这种“半可见的结构”使得整部作品成为一个不断在距离与亲近、理解与误解之间摆动的现实寓言。</a:t>
+            </a:r>
+            <a:endParaRPr lang="en-US" altLang="zh-CN" sz="800" dirty="0"/>
+          </a:p>
+          <a:p>
+            <a:endParaRPr lang="zh-CN" altLang="en-US" sz="800" dirty="0"/>
+          </a:p>
+          <a:p>
+            <a:r>
+              <a:rPr lang="zh-CN" altLang="en-US" sz="800" dirty="0"/>
+              <a:t>这部作品的核心主题，是在破碎的世界中寻找意义的勇气。阿丽亚德涅、策比奈塔和作曲家不再代表“悲剧与喜剧”“理想与现实”的对立类型，而是共同构成同一社会的不同面相。阿丽亚德涅是被遗弃的灵魂</a:t>
+            </a:r>
+            <a:r>
+              <a:rPr lang="en-US" altLang="zh-CN" sz="800" dirty="0"/>
+              <a:t>——</a:t>
+            </a:r>
+            <a:r>
+              <a:rPr lang="zh-CN" altLang="en-US" sz="800" dirty="0"/>
+              <a:t>她的孤独不再属于神话，而属于我们这个时代；策比奈塔是轻盈的生存者，她的笑声掩盖着对孤独的恐惧；而年轻的作曲家，则化身为创造者与旁观者的双重象征</a:t>
+            </a:r>
+            <a:r>
+              <a:rPr lang="en-US" altLang="zh-CN" sz="800" dirty="0"/>
+              <a:t>——</a:t>
+            </a:r>
+            <a:r>
+              <a:rPr lang="zh-CN" altLang="en-US" sz="800" dirty="0"/>
+              <a:t>他渴望通过艺术重建意义，却在过程中暴露了艺术本身的无力。三人之间的张力，正是当代人共同的境况：我们都在失去秩序的世界里，用不同的方式维持尊严与希望。</a:t>
+            </a:r>
+            <a:endParaRPr lang="en-US" altLang="zh-CN" sz="800" dirty="0"/>
+          </a:p>
+          <a:p>
+            <a:endParaRPr lang="zh-CN" altLang="en-US" sz="800" dirty="0"/>
+          </a:p>
+          <a:p>
+            <a:r>
+              <a:rPr lang="zh-CN" altLang="en-US" sz="800" dirty="0"/>
+              <a:t>舞台的视觉语言延续了这种多重现实。观众所面对的不是传统意义上的“纳克索斯岛”，而是一处心理空间，一处被记忆、幻想与现实共同侵蚀的居所。舞台设计呈现出开放又破碎的结构：不同的房间并置、重叠，人物的行动在空间中同时展开，灯光与声响如同潜意识的回声，暗示外部世界的崩塌正在悄然逼近。这里没有古典神话的宏伟景象，只有现代生活中被遗弃的神话残迹</a:t>
+            </a:r>
+            <a:r>
+              <a:rPr lang="en-US" altLang="zh-CN" sz="800" dirty="0"/>
+              <a:t>——</a:t>
+            </a:r>
+            <a:r>
+              <a:rPr lang="zh-CN" altLang="en-US" sz="800" dirty="0"/>
+              <a:t>碎裂的雕像、旧画框、象征性的家具</a:t>
+            </a:r>
+            <a:r>
+              <a:rPr lang="en-US" altLang="zh-CN" sz="800" dirty="0"/>
+              <a:t>——</a:t>
+            </a:r>
+            <a:r>
+              <a:rPr lang="zh-CN" altLang="en-US" sz="800" dirty="0"/>
+              <a:t>一切都带着曾经辉煌的阴影。</a:t>
+            </a:r>
+            <a:endParaRPr lang="en-US" altLang="zh-CN" sz="800" dirty="0"/>
+          </a:p>
+          <a:p>
+            <a:endParaRPr lang="zh-CN" altLang="en-US" sz="800" dirty="0"/>
+          </a:p>
+          <a:p>
+            <a:r>
+              <a:rPr lang="zh-CN" altLang="en-US" sz="800" dirty="0"/>
+              <a:t>在叙事结构上，我们不再将作品划分为“前奏”和“正歌”，而是把整个文本视为一条连续的心理线索。所谓“戏中戏”的层次被转化为“共演的命运”：每个角色都被迫在同一空间里演出一个他们尚未理解的故事。管家（</a:t>
+            </a:r>
+            <a:r>
+              <a:rPr lang="en-GB" sz="800" dirty="0" err="1"/>
+              <a:t>Hausmeister</a:t>
+            </a:r>
+            <a:r>
+              <a:rPr lang="en-GB" sz="800" dirty="0"/>
+              <a:t>）</a:t>
+            </a:r>
+            <a:r>
+              <a:rPr lang="zh-CN" altLang="en-US" sz="800" dirty="0"/>
+              <a:t>成为这场演出的引导者和维系者</a:t>
+            </a:r>
+            <a:r>
+              <a:rPr lang="en-US" altLang="zh-CN" sz="800" dirty="0"/>
+              <a:t>——</a:t>
+            </a:r>
+            <a:r>
+              <a:rPr lang="zh-CN" altLang="en-US" sz="800" dirty="0"/>
+              <a:t>他既是导演，又是见证者，是那个在混乱中试图保持秩序、却终究也陷入崩解的人。艺术在这里不再是一种逃避，而是一种暴露；创作的过程揭示的不只是美学秩序的瓦解，更是人类在面对变动世界时的无力与坚持。</a:t>
+            </a:r>
+            <a:endParaRPr lang="en-US" altLang="zh-CN" sz="800" dirty="0"/>
+          </a:p>
+          <a:p>
+            <a:endParaRPr lang="zh-CN" altLang="en-US" sz="800" dirty="0"/>
+          </a:p>
+          <a:p>
+            <a:r>
+              <a:rPr lang="zh-CN" altLang="en-US" sz="800" dirty="0"/>
+              <a:t>霍夫曼斯塔尔在原作中提出“变形”（</a:t>
+            </a:r>
+            <a:r>
+              <a:rPr lang="en-GB" sz="800" dirty="0" err="1"/>
+              <a:t>Verwandlung</a:t>
+            </a:r>
+            <a:r>
+              <a:rPr lang="en-GB" sz="800" dirty="0"/>
+              <a:t>）</a:t>
+            </a:r>
+            <a:r>
+              <a:rPr lang="zh-CN" altLang="en-US" sz="800" dirty="0"/>
+              <a:t>作为存在的可能性，这一理念在本制作中获得了新的诠释。变形不再是神话中的奇迹，而是人类灵魂自我修复的象征</a:t>
+            </a:r>
+            <a:r>
+              <a:rPr lang="en-US" altLang="zh-CN" sz="800" dirty="0"/>
+              <a:t>——</a:t>
+            </a:r>
+            <a:r>
+              <a:rPr lang="zh-CN" altLang="en-US" sz="800" dirty="0"/>
+              <a:t>是个体从封闭、绝望与失落中重拾生命的过程。阿丽亚德涅的“死亡”不再是终结，而是一种重生；策比奈塔的“游戏”不再是轻浮，而是一种对抗虚无的方式；而作曲家的创作冲动，则象征着在一切崩坏之后仍对意义的信念。</a:t>
+            </a:r>
+          </a:p>
+          <a:p>
+            <a:r>
+              <a:rPr lang="zh-CN" altLang="en-US" sz="800" dirty="0"/>
+              <a:t>因此，这部</a:t>
+            </a:r>
+            <a:r>
+              <a:rPr lang="en-US" altLang="zh-CN" sz="800" dirty="0"/>
+              <a:t>《</a:t>
+            </a:r>
+            <a:r>
+              <a:rPr lang="zh-CN" altLang="en-US" sz="800" dirty="0"/>
+              <a:t>纳克索斯岛的阿丽亚德涅</a:t>
+            </a:r>
+            <a:r>
+              <a:rPr lang="en-US" altLang="zh-CN" sz="800" dirty="0"/>
+              <a:t>》</a:t>
+            </a:r>
+            <a:r>
+              <a:rPr lang="zh-CN" altLang="en-US" sz="800" dirty="0"/>
+              <a:t>并不是关于古希腊的神话，而是关于</a:t>
+            </a:r>
+            <a:r>
+              <a:rPr lang="zh-CN" altLang="en-US" sz="800" b="1" dirty="0"/>
+              <a:t>我们自己的神话</a:t>
+            </a:r>
+            <a:r>
+              <a:rPr lang="zh-CN" altLang="en-US" sz="800" dirty="0"/>
+              <a:t>。它讲述现代人如何在变动、断裂与孤独的现实中仍试图相互理解、相互扶持；讲述艺术如何在时代的瓦砾之上重新寻找存在的价值。舞台上的“岛屿”不再是一处被遗弃的地方，而是一个不断重生的共同体</a:t>
+            </a:r>
+            <a:r>
+              <a:rPr lang="en-US" altLang="zh-CN" sz="800" dirty="0"/>
+              <a:t>——</a:t>
+            </a:r>
+            <a:r>
+              <a:rPr lang="zh-CN" altLang="en-US" sz="800" dirty="0"/>
+              <a:t>在此，悲剧与喜剧、崩溃与希望、绝望与勇气彼此交织。音乐与戏剧的交汇不再区分高与低、古典与现代，而是汇聚为一种新的、共同的人性表达。正如霍夫曼斯塔尔所言：“音乐是一种神圣的艺术，汇集了所有形式的勇气。”</a:t>
+            </a:r>
+          </a:p>
+        </p:txBody>
+      </p:sp>
+    </p:spTree>
+    <p:extLst>
+      <p:ext uri="{BB962C8B-B14F-4D97-AF65-F5344CB8AC3E}">
+        <p14:creationId xmlns:p14="http://schemas.microsoft.com/office/powerpoint/2010/main" val="2857955781"/>
+      </p:ext>
+    </p:extLst>
+  </p:cSld>
+  <p:clrMapOvr>
+    <a:masterClrMapping/>
+  </p:clrMapOvr>
+</p:sld>
+</file>
+
+<file path=ppt/slides/slide3.xml><?xml version="1.0" encoding="utf-8"?>
 <p:sld xmlns:a="http://schemas.openxmlformats.org/drawingml/2006/main" xmlns:r="http://schemas.openxmlformats.org/officeDocument/2006/relationships" xmlns:p="http://schemas.openxmlformats.org/presentationml/2006/main">
   <p:cSld>
     <p:spTree>
